--- a/1. 예제 폴더/step01/doc/프로젝트 설정 가이드.pptx
+++ b/1. 예제 폴더/step01/doc/프로젝트 설정 가이드.pptx
@@ -7197,7 +7197,7 @@
         </p:blipFill>
         <p:spPr bwMode="auto">
           <a:xfrm>
-            <a:off x="1331640" y="2031504"/>
+            <a:off x="1331640" y="1606465"/>
             <a:ext cx="1366186" cy="1366186"/>
           </a:xfrm>
           <a:prstGeom prst="rect">
@@ -7452,48 +7452,6 @@
           </p:txBody>
         </p:sp>
       </p:grpSp>
-      <p:cxnSp>
-        <p:nvCxnSpPr>
-          <p:cNvPr id="14" name="구부러진 연결선 13"/>
-          <p:cNvCxnSpPr>
-            <a:stCxn id="3" idx="1"/>
-          </p:cNvCxnSpPr>
-          <p:nvPr/>
-        </p:nvCxnSpPr>
-        <p:spPr>
-          <a:xfrm rot="10800000" flipV="1">
-            <a:off x="2727555" y="2289558"/>
-            <a:ext cx="2658692" cy="432146"/>
-          </a:xfrm>
-          <a:prstGeom prst="curvedConnector3">
-            <a:avLst>
-              <a:gd name="adj1" fmla="val 50000"/>
-            </a:avLst>
-          </a:prstGeom>
-          <a:ln>
-            <a:solidFill>
-              <a:srgbClr val="00A7F6"/>
-            </a:solidFill>
-            <a:prstDash val="dash"/>
-            <a:headEnd type="triangle"/>
-            <a:tailEnd type="triangle"/>
-          </a:ln>
-        </p:spPr>
-        <p:style>
-          <a:lnRef idx="1">
-            <a:schemeClr val="accent1"/>
-          </a:lnRef>
-          <a:fillRef idx="0">
-            <a:schemeClr val="accent1"/>
-          </a:fillRef>
-          <a:effectRef idx="0">
-            <a:schemeClr val="accent1"/>
-          </a:effectRef>
-          <a:fontRef idx="minor">
-            <a:schemeClr val="tx1"/>
-          </a:fontRef>
-        </p:style>
-      </p:cxnSp>
       <p:sp>
         <p:nvSpPr>
           <p:cNvPr id="25" name="직사각형 24"/>
@@ -7582,6 +7540,49 @@
           </a:p>
         </p:txBody>
       </p:sp>
+      <p:cxnSp>
+        <p:nvCxnSpPr>
+          <p:cNvPr id="7" name="직선 화살표 연결선 6"/>
+          <p:cNvCxnSpPr>
+            <a:stCxn id="1026" idx="3"/>
+            <a:endCxn id="3" idx="1"/>
+          </p:cNvCxnSpPr>
+          <p:nvPr/>
+        </p:nvCxnSpPr>
+        <p:spPr>
+          <a:xfrm>
+            <a:off x="2697826" y="2289558"/>
+            <a:ext cx="2688421" cy="0"/>
+          </a:xfrm>
+          <a:prstGeom prst="straightConnector1">
+            <a:avLst/>
+          </a:prstGeom>
+          <a:ln w="34925">
+            <a:solidFill>
+              <a:srgbClr val="00A7F6">
+                <a:alpha val="80000"/>
+              </a:srgbClr>
+            </a:solidFill>
+            <a:prstDash val="dash"/>
+            <a:headEnd type="triangle"/>
+            <a:tailEnd type="triangle"/>
+          </a:ln>
+        </p:spPr>
+        <p:style>
+          <a:lnRef idx="1">
+            <a:schemeClr val="accent1"/>
+          </a:lnRef>
+          <a:fillRef idx="0">
+            <a:schemeClr val="accent1"/>
+          </a:fillRef>
+          <a:effectRef idx="0">
+            <a:schemeClr val="accent1"/>
+          </a:effectRef>
+          <a:fontRef idx="minor">
+            <a:schemeClr val="tx1"/>
+          </a:fontRef>
+        </p:style>
+      </p:cxnSp>
     </p:spTree>
     <p:extLst>
       <p:ext uri="{BB962C8B-B14F-4D97-AF65-F5344CB8AC3E}">
